--- a/ハンズオン_Git入門.pptx
+++ b/ハンズオン_Git入門.pptx
@@ -5195,6 +5195,60 @@
             <ac:picMk id="6" creationId="{DEFF2618-06C3-B39A-F0D7-D628F6A9DA08}"/>
           </ac:picMkLst>
         </pc:picChg>
+      </pc:sldChg>
+    </pc:docChg>
+  </pc:docChgLst>
+  <pc:docChgLst>
+    <pc:chgData name="SHHD 山本覚" userId="57e3f178-c88d-44ee-9b09-55235ac55cf9" providerId="ADAL" clId="{CB6F8B9C-718A-41B3-AC1C-9D8D0D7C77D8}"/>
+    <pc:docChg chg="custSel modSld">
+      <pc:chgData name="SHHD 山本覚" userId="57e3f178-c88d-44ee-9b09-55235ac55cf9" providerId="ADAL" clId="{CB6F8B9C-718A-41B3-AC1C-9D8D0D7C77D8}" dt="2023-11-01T02:53:16.228" v="56" actId="20577"/>
+      <pc:docMkLst>
+        <pc:docMk/>
+      </pc:docMkLst>
+      <pc:sldChg chg="modSp mod">
+        <pc:chgData name="SHHD 山本覚" userId="57e3f178-c88d-44ee-9b09-55235ac55cf9" providerId="ADAL" clId="{CB6F8B9C-718A-41B3-AC1C-9D8D0D7C77D8}" dt="2023-11-01T02:51:12.242" v="0" actId="1076"/>
+        <pc:sldMkLst>
+          <pc:docMk/>
+          <pc:sldMk cId="1378349243" sldId="281"/>
+        </pc:sldMkLst>
+        <pc:spChg chg="mod">
+          <ac:chgData name="SHHD 山本覚" userId="57e3f178-c88d-44ee-9b09-55235ac55cf9" providerId="ADAL" clId="{CB6F8B9C-718A-41B3-AC1C-9D8D0D7C77D8}" dt="2023-11-01T02:51:12.242" v="0" actId="1076"/>
+          <ac:spMkLst>
+            <pc:docMk/>
+            <pc:sldMk cId="1378349243" sldId="281"/>
+            <ac:spMk id="7" creationId="{F706FC73-A2E9-C719-E491-08C3C9CC409F}"/>
+          </ac:spMkLst>
+        </pc:spChg>
+      </pc:sldChg>
+      <pc:sldChg chg="modSp mod">
+        <pc:chgData name="SHHD 山本覚" userId="57e3f178-c88d-44ee-9b09-55235ac55cf9" providerId="ADAL" clId="{CB6F8B9C-718A-41B3-AC1C-9D8D0D7C77D8}" dt="2023-11-01T02:53:16.228" v="56" actId="20577"/>
+        <pc:sldMkLst>
+          <pc:docMk/>
+          <pc:sldMk cId="132740242" sldId="290"/>
+        </pc:sldMkLst>
+        <pc:spChg chg="mod">
+          <ac:chgData name="SHHD 山本覚" userId="57e3f178-c88d-44ee-9b09-55235ac55cf9" providerId="ADAL" clId="{CB6F8B9C-718A-41B3-AC1C-9D8D0D7C77D8}" dt="2023-11-01T02:53:16.228" v="56" actId="20577"/>
+          <ac:spMkLst>
+            <pc:docMk/>
+            <pc:sldMk cId="132740242" sldId="290"/>
+            <ac:spMk id="2" creationId="{679B1F19-EA37-6319-E74D-3884CF7D7061}"/>
+          </ac:spMkLst>
+        </pc:spChg>
+      </pc:sldChg>
+      <pc:sldChg chg="modSp mod">
+        <pc:chgData name="SHHD 山本覚" userId="57e3f178-c88d-44ee-9b09-55235ac55cf9" providerId="ADAL" clId="{CB6F8B9C-718A-41B3-AC1C-9D8D0D7C77D8}" dt="2023-11-01T02:51:54.205" v="11" actId="20577"/>
+        <pc:sldMkLst>
+          <pc:docMk/>
+          <pc:sldMk cId="18491178" sldId="294"/>
+        </pc:sldMkLst>
+        <pc:spChg chg="mod">
+          <ac:chgData name="SHHD 山本覚" userId="57e3f178-c88d-44ee-9b09-55235ac55cf9" providerId="ADAL" clId="{CB6F8B9C-718A-41B3-AC1C-9D8D0D7C77D8}" dt="2023-11-01T02:51:54.205" v="11" actId="20577"/>
+          <ac:spMkLst>
+            <pc:docMk/>
+            <pc:sldMk cId="18491178" sldId="294"/>
+            <ac:spMk id="6" creationId="{C71F465D-1924-678C-5579-80212355B13E}"/>
+          </ac:spMkLst>
+        </pc:spChg>
       </pc:sldChg>
     </pc:docChg>
   </pc:docChgLst>
@@ -23224,7 +23278,7 @@
         </p:nvSpPr>
         <p:spPr>
           <a:xfrm>
-            <a:off x="2561771" y="2731381"/>
+            <a:off x="2556328" y="2606195"/>
             <a:ext cx="566058" cy="591670"/>
           </a:xfrm>
           <a:prstGeom prst="rect">
@@ -26547,7 +26601,7 @@
             </a:pPr>
             <a:r>
               <a:rPr lang="ja-JP" altLang="en-US" sz="2400" dirty="0"/>
-              <a:t>先ほど２つのブランチで行った編集を統合します</a:t>
+              <a:t>先ほど２つのブランチで行った変更を統合します</a:t>
             </a:r>
             <a:endParaRPr lang="en-US" altLang="ja-JP" sz="2400" dirty="0"/>
           </a:p>
@@ -30735,12 +30789,14 @@
         </p:nvSpPr>
         <p:spPr/>
         <p:txBody>
-          <a:bodyPr/>
+          <a:bodyPr>
+            <a:normAutofit/>
+          </a:bodyPr>
           <a:lstStyle/>
           <a:p>
             <a:r>
               <a:rPr lang="ja-JP" altLang="en-US" dirty="0"/>
-              <a:t>レビューができる</a:t>
+              <a:t>レビューができる（今回は使わない）</a:t>
             </a:r>
             <a:endParaRPr kumimoji="1" lang="ja-JP" altLang="en-US" dirty="0"/>
           </a:p>

--- a/ハンズオン_Git入門.pptx
+++ b/ハンズオン_Git入門.pptx
@@ -160,6 +160,7 @@
   <p1510:revLst>
     <p1510:client id="{0DC48408-FFB0-4096-A9A7-E2B5870E21F9}" v="12" dt="2023-10-31T19:59:44.122"/>
     <p1510:client id="{C0DA2B10-F1D4-4897-B074-9E17192A92F8}" v="364" dt="2023-10-31T19:46:31.790"/>
+    <p1510:client id="{CB6F8B9C-718A-41B3-AC1C-9D8D0D7C77D8}" v="2" dt="2023-11-01T04:16:04.519"/>
   </p1510:revLst>
 </p1510:revInfo>
 </file>
@@ -5200,8 +5201,8 @@
   </pc:docChgLst>
   <pc:docChgLst>
     <pc:chgData name="SHHD 山本覚" userId="57e3f178-c88d-44ee-9b09-55235ac55cf9" providerId="ADAL" clId="{CB6F8B9C-718A-41B3-AC1C-9D8D0D7C77D8}"/>
-    <pc:docChg chg="custSel modSld">
-      <pc:chgData name="SHHD 山本覚" userId="57e3f178-c88d-44ee-9b09-55235ac55cf9" providerId="ADAL" clId="{CB6F8B9C-718A-41B3-AC1C-9D8D0D7C77D8}" dt="2023-11-01T02:53:16.228" v="56" actId="20577"/>
+    <pc:docChg chg="undo custSel modSld">
+      <pc:chgData name="SHHD 山本覚" userId="57e3f178-c88d-44ee-9b09-55235ac55cf9" providerId="ADAL" clId="{CB6F8B9C-718A-41B3-AC1C-9D8D0D7C77D8}" dt="2023-11-01T04:31:13.709" v="227" actId="729"/>
       <pc:docMkLst>
         <pc:docMk/>
       </pc:docMkLst>
@@ -5220,8 +5221,8 @@
           </ac:spMkLst>
         </pc:spChg>
       </pc:sldChg>
-      <pc:sldChg chg="modSp mod">
-        <pc:chgData name="SHHD 山本覚" userId="57e3f178-c88d-44ee-9b09-55235ac55cf9" providerId="ADAL" clId="{CB6F8B9C-718A-41B3-AC1C-9D8D0D7C77D8}" dt="2023-11-01T02:53:16.228" v="56" actId="20577"/>
+      <pc:sldChg chg="modSp mod modShow">
+        <pc:chgData name="SHHD 山本覚" userId="57e3f178-c88d-44ee-9b09-55235ac55cf9" providerId="ADAL" clId="{CB6F8B9C-718A-41B3-AC1C-9D8D0D7C77D8}" dt="2023-11-01T04:31:13.709" v="227" actId="729"/>
         <pc:sldMkLst>
           <pc:docMk/>
           <pc:sldMk cId="132740242" sldId="290"/>
@@ -5249,6 +5250,52 @@
             <ac:spMk id="6" creationId="{C71F465D-1924-678C-5579-80212355B13E}"/>
           </ac:spMkLst>
         </pc:spChg>
+      </pc:sldChg>
+      <pc:sldChg chg="modSp mod">
+        <pc:chgData name="SHHD 山本覚" userId="57e3f178-c88d-44ee-9b09-55235ac55cf9" providerId="ADAL" clId="{CB6F8B9C-718A-41B3-AC1C-9D8D0D7C77D8}" dt="2023-11-01T04:15:18.542" v="143" actId="113"/>
+        <pc:sldMkLst>
+          <pc:docMk/>
+          <pc:sldMk cId="2832214276" sldId="301"/>
+        </pc:sldMkLst>
+        <pc:spChg chg="mod">
+          <ac:chgData name="SHHD 山本覚" userId="57e3f178-c88d-44ee-9b09-55235ac55cf9" providerId="ADAL" clId="{CB6F8B9C-718A-41B3-AC1C-9D8D0D7C77D8}" dt="2023-11-01T04:15:18.542" v="143" actId="113"/>
+          <ac:spMkLst>
+            <pc:docMk/>
+            <pc:sldMk cId="2832214276" sldId="301"/>
+            <ac:spMk id="13" creationId="{EB53BAEC-963D-5EA5-451B-FFE039169988}"/>
+          </ac:spMkLst>
+        </pc:spChg>
+      </pc:sldChg>
+      <pc:sldChg chg="addSp modSp mod">
+        <pc:chgData name="SHHD 山本覚" userId="57e3f178-c88d-44ee-9b09-55235ac55cf9" providerId="ADAL" clId="{CB6F8B9C-718A-41B3-AC1C-9D8D0D7C77D8}" dt="2023-11-01T04:17:00.254" v="226" actId="14100"/>
+        <pc:sldMkLst>
+          <pc:docMk/>
+          <pc:sldMk cId="3487098230" sldId="302"/>
+        </pc:sldMkLst>
+        <pc:spChg chg="add mod">
+          <ac:chgData name="SHHD 山本覚" userId="57e3f178-c88d-44ee-9b09-55235ac55cf9" providerId="ADAL" clId="{CB6F8B9C-718A-41B3-AC1C-9D8D0D7C77D8}" dt="2023-11-01T04:17:00.254" v="226" actId="14100"/>
+          <ac:spMkLst>
+            <pc:docMk/>
+            <pc:sldMk cId="3487098230" sldId="302"/>
+            <ac:spMk id="3" creationId="{88A12A2C-6E50-AC91-8B93-D2022FD83552}"/>
+          </ac:spMkLst>
+        </pc:spChg>
+        <pc:spChg chg="add mod">
+          <ac:chgData name="SHHD 山本覚" userId="57e3f178-c88d-44ee-9b09-55235ac55cf9" providerId="ADAL" clId="{CB6F8B9C-718A-41B3-AC1C-9D8D0D7C77D8}" dt="2023-11-01T04:16:53.430" v="225" actId="692"/>
+          <ac:spMkLst>
+            <pc:docMk/>
+            <pc:sldMk cId="3487098230" sldId="302"/>
+            <ac:spMk id="4" creationId="{154B4B01-EF8E-1FEA-A994-E7174420AD8F}"/>
+          </ac:spMkLst>
+        </pc:spChg>
+        <pc:picChg chg="mod">
+          <ac:chgData name="SHHD 山本覚" userId="57e3f178-c88d-44ee-9b09-55235ac55cf9" providerId="ADAL" clId="{CB6F8B9C-718A-41B3-AC1C-9D8D0D7C77D8}" dt="2023-11-01T04:15:47.075" v="146" actId="1076"/>
+          <ac:picMkLst>
+            <pc:docMk/>
+            <pc:sldMk cId="3487098230" sldId="302"/>
+            <ac:picMk id="9" creationId="{676A009E-087D-EFE9-3344-D70D8492C639}"/>
+          </ac:picMkLst>
+        </pc:picChg>
       </pc:sldChg>
     </pc:docChg>
   </pc:docChgLst>
@@ -26328,7 +26375,7 @@
         <p:spPr>
           <a:xfrm>
             <a:off x="3492168" y="2104601"/>
-            <a:ext cx="8347422" cy="3117542"/>
+            <a:ext cx="8347422" cy="4100256"/>
           </a:xfrm>
         </p:spPr>
         <p:txBody>
@@ -26374,8 +26421,12 @@
               <a:rPr kumimoji="1" lang="en-US" altLang="ja-JP" sz="2400" dirty="0"/>
             </a:br>
             <a:r>
+              <a:rPr kumimoji="1" lang="ja-JP" altLang="en-US" sz="2400" b="1" dirty="0"/>
+              <a:t>ダブルクリック</a:t>
+            </a:r>
+            <a:r>
               <a:rPr kumimoji="1" lang="ja-JP" altLang="en-US" sz="2400" dirty="0"/>
-              <a:t>ダブルクリックすることで切り替えられます</a:t>
+              <a:t>することで切り替えられます</a:t>
             </a:r>
             <a:endParaRPr kumimoji="1" lang="en-US" altLang="ja-JP" sz="2400" dirty="0"/>
           </a:p>
@@ -26389,7 +26440,46 @@
             </a:pPr>
             <a:r>
               <a:rPr lang="ja-JP" altLang="en-US" sz="2400" dirty="0"/>
-              <a:t>それぞれのブランチで別ファイルを編集してみてください。これをこの後マージします</a:t>
+              <a:t>元のブランチで「</a:t>
+            </a:r>
+            <a:r>
+              <a:rPr lang="en-US" altLang="ja-JP" sz="2400" dirty="0"/>
+              <a:t> TEST.txt </a:t>
+            </a:r>
+            <a:r>
+              <a:rPr lang="ja-JP" altLang="en-US" sz="2400" dirty="0"/>
+              <a:t>」の「</a:t>
+            </a:r>
+            <a:r>
+              <a:rPr lang="en-US" altLang="ja-JP" sz="2400" dirty="0"/>
+              <a:t>name</a:t>
+            </a:r>
+            <a:r>
+              <a:rPr lang="ja-JP" altLang="en-US" sz="2400" dirty="0"/>
+              <a:t>」を編集、</a:t>
+            </a:r>
+            <a:br>
+              <a:rPr lang="en-US" altLang="ja-JP" sz="2400" dirty="0"/>
+            </a:br>
+            <a:r>
+              <a:rPr lang="ja-JP" altLang="en-US" sz="2400" dirty="0"/>
+              <a:t>元のブランチで「</a:t>
+            </a:r>
+            <a:r>
+              <a:rPr lang="en-US" altLang="ja-JP" sz="2400" dirty="0"/>
+              <a:t> TEST.txt </a:t>
+            </a:r>
+            <a:r>
+              <a:rPr lang="ja-JP" altLang="en-US" sz="2400" dirty="0"/>
+              <a:t>」の「</a:t>
+            </a:r>
+            <a:r>
+              <a:rPr lang="en-US" altLang="ja-JP" sz="2400" dirty="0"/>
+              <a:t>date</a:t>
+            </a:r>
+            <a:r>
+              <a:rPr lang="ja-JP" altLang="en-US" sz="2400" dirty="0"/>
+              <a:t>」を編集してみてください。これらの変更をこの後マージします</a:t>
             </a:r>
             <a:br>
               <a:rPr lang="en-US" altLang="ja-JP" sz="2400" dirty="0"/>
@@ -26795,6 +26885,100 @@
           <a:p>
             <a:pPr algn="ctr"/>
             <a:endParaRPr kumimoji="1" lang="ja-JP" altLang="en-US"/>
+          </a:p>
+        </p:txBody>
+      </p:sp>
+      <p:sp>
+        <p:nvSpPr>
+          <p:cNvPr id="3" name="正方形/長方形 2">
+            <a:extLst>
+              <a:ext uri="{FF2B5EF4-FFF2-40B4-BE49-F238E27FC236}">
+                <a16:creationId xmlns:a16="http://schemas.microsoft.com/office/drawing/2014/main" id="{88A12A2C-6E50-AC91-8B93-D2022FD83552}"/>
+              </a:ext>
+            </a:extLst>
+          </p:cNvPr>
+          <p:cNvSpPr/>
+          <p:nvPr/>
+        </p:nvSpPr>
+        <p:spPr>
+          <a:xfrm>
+            <a:off x="616511" y="2062843"/>
+            <a:ext cx="4733817" cy="425325"/>
+          </a:xfrm>
+          <a:prstGeom prst="rect">
+            <a:avLst/>
+          </a:prstGeom>
+          <a:noFill/>
+          <a:ln w="50800">
+            <a:solidFill>
+              <a:srgbClr val="FF0000"/>
+            </a:solidFill>
+          </a:ln>
+        </p:spPr>
+        <p:style>
+          <a:lnRef idx="2">
+            <a:schemeClr val="accent1">
+              <a:shade val="15000"/>
+            </a:schemeClr>
+          </a:lnRef>
+          <a:fillRef idx="1">
+            <a:schemeClr val="accent1"/>
+          </a:fillRef>
+          <a:effectRef idx="0">
+            <a:schemeClr val="accent1"/>
+          </a:effectRef>
+          <a:fontRef idx="minor">
+            <a:schemeClr val="lt1"/>
+          </a:fontRef>
+        </p:style>
+        <p:txBody>
+          <a:bodyPr rtlCol="0" anchor="ctr"/>
+          <a:lstStyle/>
+          <a:p>
+            <a:pPr algn="ctr"/>
+            <a:endParaRPr kumimoji="1" lang="ja-JP" altLang="en-US"/>
+          </a:p>
+        </p:txBody>
+      </p:sp>
+      <p:sp>
+        <p:nvSpPr>
+          <p:cNvPr id="4" name="テキスト ボックス 3">
+            <a:extLst>
+              <a:ext uri="{FF2B5EF4-FFF2-40B4-BE49-F238E27FC236}">
+                <a16:creationId xmlns:a16="http://schemas.microsoft.com/office/drawing/2014/main" id="{154B4B01-EF8E-1FEA-A994-E7174420AD8F}"/>
+              </a:ext>
+            </a:extLst>
+          </p:cNvPr>
+          <p:cNvSpPr txBox="1"/>
+          <p:nvPr/>
+        </p:nvSpPr>
+        <p:spPr>
+          <a:xfrm>
+            <a:off x="3710677" y="2488168"/>
+            <a:ext cx="4573688" cy="369332"/>
+          </a:xfrm>
+          <a:prstGeom prst="rect">
+            <a:avLst/>
+          </a:prstGeom>
+          <a:solidFill>
+            <a:schemeClr val="bg1"/>
+          </a:solidFill>
+          <a:ln>
+            <a:solidFill>
+              <a:schemeClr val="tx1"/>
+            </a:solidFill>
+          </a:ln>
+        </p:spPr>
+        <p:txBody>
+          <a:bodyPr wrap="none" rtlCol="0">
+            <a:spAutoFit/>
+          </a:bodyPr>
+          <a:lstStyle/>
+          <a:p>
+            <a:r>
+              <a:rPr kumimoji="1" lang="ja-JP" altLang="en-US" dirty="0"/>
+              <a:t>樹形図が統合されている ＝ マージされている</a:t>
+            </a:r>
           </a:p>
         </p:txBody>
       </p:sp>
@@ -30755,7 +30939,7 @@
 </file>
 
 <file path=ppt/slides/slide9.xml><?xml version="1.0" encoding="utf-8"?>
-<p:sld xmlns:a="http://schemas.openxmlformats.org/drawingml/2006/main" xmlns:r="http://schemas.openxmlformats.org/officeDocument/2006/relationships" xmlns:p="http://schemas.openxmlformats.org/presentationml/2006/main" show="0">
+<p:sld xmlns:a="http://schemas.openxmlformats.org/drawingml/2006/main" xmlns:r="http://schemas.openxmlformats.org/officeDocument/2006/relationships" xmlns:p="http://schemas.openxmlformats.org/presentationml/2006/main">
   <p:cSld>
     <p:spTree>
       <p:nvGrpSpPr>

--- a/ハンズオン_Git入門.pptx
+++ b/ハンズオン_Git入門.pptx
@@ -160,7 +160,7 @@
   <p1510:revLst>
     <p1510:client id="{0DC48408-FFB0-4096-A9A7-E2B5870E21F9}" v="12" dt="2023-10-31T19:59:44.122"/>
     <p1510:client id="{C0DA2B10-F1D4-4897-B074-9E17192A92F8}" v="364" dt="2023-10-31T19:46:31.790"/>
-    <p1510:client id="{CB6F8B9C-718A-41B3-AC1C-9D8D0D7C77D8}" v="2" dt="2023-11-01T04:16:04.519"/>
+    <p1510:client id="{CB6F8B9C-718A-41B3-AC1C-9D8D0D7C77D8}" v="4" dt="2023-11-01T05:50:23.106"/>
   </p1510:revLst>
 </p1510:revInfo>
 </file>
@@ -5202,10 +5202,192 @@
   <pc:docChgLst>
     <pc:chgData name="SHHD 山本覚" userId="57e3f178-c88d-44ee-9b09-55235ac55cf9" providerId="ADAL" clId="{CB6F8B9C-718A-41B3-AC1C-9D8D0D7C77D8}"/>
     <pc:docChg chg="undo custSel modSld">
-      <pc:chgData name="SHHD 山本覚" userId="57e3f178-c88d-44ee-9b09-55235ac55cf9" providerId="ADAL" clId="{CB6F8B9C-718A-41B3-AC1C-9D8D0D7C77D8}" dt="2023-11-01T04:31:13.709" v="227" actId="729"/>
+      <pc:chgData name="SHHD 山本覚" userId="57e3f178-c88d-44ee-9b09-55235ac55cf9" providerId="ADAL" clId="{CB6F8B9C-718A-41B3-AC1C-9D8D0D7C77D8}" dt="2023-11-01T05:50:36.312" v="446" actId="1076"/>
       <pc:docMkLst>
         <pc:docMk/>
       </pc:docMkLst>
+      <pc:sldChg chg="modSp mod">
+        <pc:chgData name="SHHD 山本覚" userId="57e3f178-c88d-44ee-9b09-55235ac55cf9" providerId="ADAL" clId="{CB6F8B9C-718A-41B3-AC1C-9D8D0D7C77D8}" dt="2023-11-01T05:39:16.943" v="298" actId="1076"/>
+        <pc:sldMkLst>
+          <pc:docMk/>
+          <pc:sldMk cId="1002267640" sldId="264"/>
+        </pc:sldMkLst>
+        <pc:spChg chg="mod">
+          <ac:chgData name="SHHD 山本覚" userId="57e3f178-c88d-44ee-9b09-55235ac55cf9" providerId="ADAL" clId="{CB6F8B9C-718A-41B3-AC1C-9D8D0D7C77D8}" dt="2023-11-01T05:39:16.943" v="298" actId="1076"/>
+          <ac:spMkLst>
+            <pc:docMk/>
+            <pc:sldMk cId="1002267640" sldId="264"/>
+            <ac:spMk id="4" creationId="{81E22F13-F9BA-6547-7B98-D5E042138C96}"/>
+          </ac:spMkLst>
+        </pc:spChg>
+      </pc:sldChg>
+      <pc:sldChg chg="addSp modSp mod">
+        <pc:chgData name="SHHD 山本覚" userId="57e3f178-c88d-44ee-9b09-55235ac55cf9" providerId="ADAL" clId="{CB6F8B9C-718A-41B3-AC1C-9D8D0D7C77D8}" dt="2023-11-01T05:45:31.672" v="375" actId="1076"/>
+        <pc:sldMkLst>
+          <pc:docMk/>
+          <pc:sldMk cId="406308" sldId="276"/>
+        </pc:sldMkLst>
+        <pc:spChg chg="mod">
+          <ac:chgData name="SHHD 山本覚" userId="57e3f178-c88d-44ee-9b09-55235ac55cf9" providerId="ADAL" clId="{CB6F8B9C-718A-41B3-AC1C-9D8D0D7C77D8}" dt="2023-11-01T05:45:08.529" v="371" actId="571"/>
+          <ac:spMkLst>
+            <pc:docMk/>
+            <pc:sldMk cId="406308" sldId="276"/>
+            <ac:spMk id="39" creationId="{D62E5BAF-6540-EAE5-45C1-F9445EFB8793}"/>
+          </ac:spMkLst>
+        </pc:spChg>
+        <pc:spChg chg="mod">
+          <ac:chgData name="SHHD 山本覚" userId="57e3f178-c88d-44ee-9b09-55235ac55cf9" providerId="ADAL" clId="{CB6F8B9C-718A-41B3-AC1C-9D8D0D7C77D8}" dt="2023-11-01T05:45:08.529" v="371" actId="571"/>
+          <ac:spMkLst>
+            <pc:docMk/>
+            <pc:sldMk cId="406308" sldId="276"/>
+            <ac:spMk id="40" creationId="{0395E20C-3DD3-F160-A47A-A245E9161592}"/>
+          </ac:spMkLst>
+        </pc:spChg>
+        <pc:spChg chg="mod">
+          <ac:chgData name="SHHD 山本覚" userId="57e3f178-c88d-44ee-9b09-55235ac55cf9" providerId="ADAL" clId="{CB6F8B9C-718A-41B3-AC1C-9D8D0D7C77D8}" dt="2023-11-01T05:45:08.529" v="371" actId="571"/>
+          <ac:spMkLst>
+            <pc:docMk/>
+            <pc:sldMk cId="406308" sldId="276"/>
+            <ac:spMk id="42" creationId="{85F0053B-A91C-F375-859B-A3C15E4FBE96}"/>
+          </ac:spMkLst>
+        </pc:spChg>
+        <pc:spChg chg="mod">
+          <ac:chgData name="SHHD 山本覚" userId="57e3f178-c88d-44ee-9b09-55235ac55cf9" providerId="ADAL" clId="{CB6F8B9C-718A-41B3-AC1C-9D8D0D7C77D8}" dt="2023-11-01T05:45:08.529" v="371" actId="571"/>
+          <ac:spMkLst>
+            <pc:docMk/>
+            <pc:sldMk cId="406308" sldId="276"/>
+            <ac:spMk id="43" creationId="{8A79EF19-F558-B1D3-92EC-298F376D6036}"/>
+          </ac:spMkLst>
+        </pc:spChg>
+        <pc:spChg chg="mod">
+          <ac:chgData name="SHHD 山本覚" userId="57e3f178-c88d-44ee-9b09-55235ac55cf9" providerId="ADAL" clId="{CB6F8B9C-718A-41B3-AC1C-9D8D0D7C77D8}" dt="2023-11-01T05:45:08.529" v="371" actId="571"/>
+          <ac:spMkLst>
+            <pc:docMk/>
+            <pc:sldMk cId="406308" sldId="276"/>
+            <ac:spMk id="44" creationId="{EA6B6F78-AE6B-B851-5D47-1FB3EF178F22}"/>
+          </ac:spMkLst>
+        </pc:spChg>
+        <pc:spChg chg="mod">
+          <ac:chgData name="SHHD 山本覚" userId="57e3f178-c88d-44ee-9b09-55235ac55cf9" providerId="ADAL" clId="{CB6F8B9C-718A-41B3-AC1C-9D8D0D7C77D8}" dt="2023-11-01T05:45:31.672" v="375" actId="1076"/>
+          <ac:spMkLst>
+            <pc:docMk/>
+            <pc:sldMk cId="406308" sldId="276"/>
+            <ac:spMk id="45" creationId="{5742F7B9-7CBB-D071-19F7-17445F7E2D44}"/>
+          </ac:spMkLst>
+        </pc:spChg>
+        <pc:spChg chg="mod">
+          <ac:chgData name="SHHD 山本覚" userId="57e3f178-c88d-44ee-9b09-55235ac55cf9" providerId="ADAL" clId="{CB6F8B9C-718A-41B3-AC1C-9D8D0D7C77D8}" dt="2023-11-01T05:45:08.529" v="371" actId="571"/>
+          <ac:spMkLst>
+            <pc:docMk/>
+            <pc:sldMk cId="406308" sldId="276"/>
+            <ac:spMk id="46" creationId="{D1C843DE-BBAB-AFC0-51E7-EAF45D5DA6E1}"/>
+          </ac:spMkLst>
+        </pc:spChg>
+        <pc:grpChg chg="mod">
+          <ac:chgData name="SHHD 山本覚" userId="57e3f178-c88d-44ee-9b09-55235ac55cf9" providerId="ADAL" clId="{CB6F8B9C-718A-41B3-AC1C-9D8D0D7C77D8}" dt="2023-11-01T05:45:08.529" v="371" actId="571"/>
+          <ac:grpSpMkLst>
+            <pc:docMk/>
+            <pc:sldMk cId="406308" sldId="276"/>
+            <ac:grpSpMk id="34" creationId="{20EE9D88-E71B-CA8B-0B75-CCBCDC9047FE}"/>
+          </ac:grpSpMkLst>
+        </pc:grpChg>
+        <pc:grpChg chg="mod">
+          <ac:chgData name="SHHD 山本覚" userId="57e3f178-c88d-44ee-9b09-55235ac55cf9" providerId="ADAL" clId="{CB6F8B9C-718A-41B3-AC1C-9D8D0D7C77D8}" dt="2023-11-01T05:45:08.529" v="371" actId="571"/>
+          <ac:grpSpMkLst>
+            <pc:docMk/>
+            <pc:sldMk cId="406308" sldId="276"/>
+            <ac:grpSpMk id="56" creationId="{1B6487DF-8F6A-2EEA-0F4F-E71ACDAE0973}"/>
+          </ac:grpSpMkLst>
+        </pc:grpChg>
+        <pc:picChg chg="add mod">
+          <ac:chgData name="SHHD 山本覚" userId="57e3f178-c88d-44ee-9b09-55235ac55cf9" providerId="ADAL" clId="{CB6F8B9C-718A-41B3-AC1C-9D8D0D7C77D8}" dt="2023-11-01T05:45:08.529" v="371" actId="571"/>
+          <ac:picMkLst>
+            <pc:docMk/>
+            <pc:sldMk cId="406308" sldId="276"/>
+            <ac:picMk id="3" creationId="{E1790DE8-ED4F-8E73-64FB-F26A332F3CF0}"/>
+          </ac:picMkLst>
+        </pc:picChg>
+        <pc:picChg chg="mod">
+          <ac:chgData name="SHHD 山本覚" userId="57e3f178-c88d-44ee-9b09-55235ac55cf9" providerId="ADAL" clId="{CB6F8B9C-718A-41B3-AC1C-9D8D0D7C77D8}" dt="2023-11-01T05:45:28.870" v="374" actId="1076"/>
+          <ac:picMkLst>
+            <pc:docMk/>
+            <pc:sldMk cId="406308" sldId="276"/>
+            <ac:picMk id="28" creationId="{31579CE9-D7BD-6F04-0A08-20A2606926B7}"/>
+          </ac:picMkLst>
+        </pc:picChg>
+        <pc:picChg chg="mod">
+          <ac:chgData name="SHHD 山本覚" userId="57e3f178-c88d-44ee-9b09-55235ac55cf9" providerId="ADAL" clId="{CB6F8B9C-718A-41B3-AC1C-9D8D0D7C77D8}" dt="2023-11-01T05:45:08.529" v="371" actId="571"/>
+          <ac:picMkLst>
+            <pc:docMk/>
+            <pc:sldMk cId="406308" sldId="276"/>
+            <ac:picMk id="30" creationId="{2422A586-C5E3-05F1-07B3-15198E47849E}"/>
+          </ac:picMkLst>
+        </pc:picChg>
+        <pc:picChg chg="mod">
+          <ac:chgData name="SHHD 山本覚" userId="57e3f178-c88d-44ee-9b09-55235ac55cf9" providerId="ADAL" clId="{CB6F8B9C-718A-41B3-AC1C-9D8D0D7C77D8}" dt="2023-11-01T05:45:08.529" v="371" actId="571"/>
+          <ac:picMkLst>
+            <pc:docMk/>
+            <pc:sldMk cId="406308" sldId="276"/>
+            <ac:picMk id="31" creationId="{DB108E8E-1164-2D85-C13B-882321F6678C}"/>
+          </ac:picMkLst>
+        </pc:picChg>
+        <pc:picChg chg="mod">
+          <ac:chgData name="SHHD 山本覚" userId="57e3f178-c88d-44ee-9b09-55235ac55cf9" providerId="ADAL" clId="{CB6F8B9C-718A-41B3-AC1C-9D8D0D7C77D8}" dt="2023-11-01T05:45:08.529" v="371" actId="571"/>
+          <ac:picMkLst>
+            <pc:docMk/>
+            <pc:sldMk cId="406308" sldId="276"/>
+            <ac:picMk id="32" creationId="{A46096DA-8CDA-4DF0-2C83-D4970CA04CF9}"/>
+          </ac:picMkLst>
+        </pc:picChg>
+        <pc:picChg chg="mod">
+          <ac:chgData name="SHHD 山本覚" userId="57e3f178-c88d-44ee-9b09-55235ac55cf9" providerId="ADAL" clId="{CB6F8B9C-718A-41B3-AC1C-9D8D0D7C77D8}" dt="2023-11-01T05:45:08.529" v="371" actId="571"/>
+          <ac:picMkLst>
+            <pc:docMk/>
+            <pc:sldMk cId="406308" sldId="276"/>
+            <ac:picMk id="33" creationId="{A2F8E692-E96E-4E93-E7BF-18C11DAB1AF6}"/>
+          </ac:picMkLst>
+        </pc:picChg>
+        <pc:picChg chg="mod">
+          <ac:chgData name="SHHD 山本覚" userId="57e3f178-c88d-44ee-9b09-55235ac55cf9" providerId="ADAL" clId="{CB6F8B9C-718A-41B3-AC1C-9D8D0D7C77D8}" dt="2023-11-01T05:45:08.529" v="371" actId="571"/>
+          <ac:picMkLst>
+            <pc:docMk/>
+            <pc:sldMk cId="406308" sldId="276"/>
+            <ac:picMk id="35" creationId="{CC5B2CB5-7DF5-F8A0-984D-D5918463BA80}"/>
+          </ac:picMkLst>
+        </pc:picChg>
+        <pc:picChg chg="mod">
+          <ac:chgData name="SHHD 山本覚" userId="57e3f178-c88d-44ee-9b09-55235ac55cf9" providerId="ADAL" clId="{CB6F8B9C-718A-41B3-AC1C-9D8D0D7C77D8}" dt="2023-11-01T05:45:08.529" v="371" actId="571"/>
+          <ac:picMkLst>
+            <pc:docMk/>
+            <pc:sldMk cId="406308" sldId="276"/>
+            <ac:picMk id="36" creationId="{F8AC8EC8-10EC-04E2-6927-D873383EFB0C}"/>
+          </ac:picMkLst>
+        </pc:picChg>
+        <pc:picChg chg="mod">
+          <ac:chgData name="SHHD 山本覚" userId="57e3f178-c88d-44ee-9b09-55235ac55cf9" providerId="ADAL" clId="{CB6F8B9C-718A-41B3-AC1C-9D8D0D7C77D8}" dt="2023-11-01T05:45:08.529" v="371" actId="571"/>
+          <ac:picMkLst>
+            <pc:docMk/>
+            <pc:sldMk cId="406308" sldId="276"/>
+            <ac:picMk id="37" creationId="{6DFD6052-F692-1496-0BB2-9BE2BE4FD2BB}"/>
+          </ac:picMkLst>
+        </pc:picChg>
+        <pc:cxnChg chg="mod">
+          <ac:chgData name="SHHD 山本覚" userId="57e3f178-c88d-44ee-9b09-55235ac55cf9" providerId="ADAL" clId="{CB6F8B9C-718A-41B3-AC1C-9D8D0D7C77D8}" dt="2023-11-01T05:45:08.529" v="371" actId="571"/>
+          <ac:cxnSpMkLst>
+            <pc:docMk/>
+            <pc:sldMk cId="406308" sldId="276"/>
+            <ac:cxnSpMk id="38" creationId="{00025607-63A5-587D-BFA4-84C305DAC5CF}"/>
+          </ac:cxnSpMkLst>
+        </pc:cxnChg>
+        <pc:cxnChg chg="mod">
+          <ac:chgData name="SHHD 山本覚" userId="57e3f178-c88d-44ee-9b09-55235ac55cf9" providerId="ADAL" clId="{CB6F8B9C-718A-41B3-AC1C-9D8D0D7C77D8}" dt="2023-11-01T05:45:08.529" v="371" actId="571"/>
+          <ac:cxnSpMkLst>
+            <pc:docMk/>
+            <pc:sldMk cId="406308" sldId="276"/>
+            <ac:cxnSpMk id="41" creationId="{260312CC-78A2-2D74-869E-A0A996E5FDAD}"/>
+          </ac:cxnSpMkLst>
+        </pc:cxnChg>
+      </pc:sldChg>
       <pc:sldChg chg="modSp mod">
         <pc:chgData name="SHHD 山本覚" userId="57e3f178-c88d-44ee-9b09-55235ac55cf9" providerId="ADAL" clId="{CB6F8B9C-718A-41B3-AC1C-9D8D0D7C77D8}" dt="2023-11-01T02:51:12.242" v="0" actId="1076"/>
         <pc:sldMkLst>
@@ -5220,6 +5402,45 @@
             <ac:spMk id="7" creationId="{F706FC73-A2E9-C719-E491-08C3C9CC409F}"/>
           </ac:spMkLst>
         </pc:spChg>
+      </pc:sldChg>
+      <pc:sldChg chg="addSp modSp mod">
+        <pc:chgData name="SHHD 山本覚" userId="57e3f178-c88d-44ee-9b09-55235ac55cf9" providerId="ADAL" clId="{CB6F8B9C-718A-41B3-AC1C-9D8D0D7C77D8}" dt="2023-11-01T05:50:36.312" v="446" actId="1076"/>
+        <pc:sldMkLst>
+          <pc:docMk/>
+          <pc:sldMk cId="2637753194" sldId="284"/>
+        </pc:sldMkLst>
+        <pc:spChg chg="mod">
+          <ac:chgData name="SHHD 山本覚" userId="57e3f178-c88d-44ee-9b09-55235ac55cf9" providerId="ADAL" clId="{CB6F8B9C-718A-41B3-AC1C-9D8D0D7C77D8}" dt="2023-11-01T05:50:23.106" v="444" actId="164"/>
+          <ac:spMkLst>
+            <pc:docMk/>
+            <pc:sldMk cId="2637753194" sldId="284"/>
+            <ac:spMk id="5" creationId="{11732FCA-1080-11DD-FDED-52C15E9A54A1}"/>
+          </ac:spMkLst>
+        </pc:spChg>
+        <pc:spChg chg="mod">
+          <ac:chgData name="SHHD 山本覚" userId="57e3f178-c88d-44ee-9b09-55235ac55cf9" providerId="ADAL" clId="{CB6F8B9C-718A-41B3-AC1C-9D8D0D7C77D8}" dt="2023-11-01T05:50:36.312" v="446" actId="1076"/>
+          <ac:spMkLst>
+            <pc:docMk/>
+            <pc:sldMk cId="2637753194" sldId="284"/>
+            <ac:spMk id="6" creationId="{F4AF7E18-D661-0549-D1AD-F8E179DF99A6}"/>
+          </ac:spMkLst>
+        </pc:spChg>
+        <pc:grpChg chg="add mod">
+          <ac:chgData name="SHHD 山本覚" userId="57e3f178-c88d-44ee-9b09-55235ac55cf9" providerId="ADAL" clId="{CB6F8B9C-718A-41B3-AC1C-9D8D0D7C77D8}" dt="2023-11-01T05:50:26.966" v="445" actId="1076"/>
+          <ac:grpSpMkLst>
+            <pc:docMk/>
+            <pc:sldMk cId="2637753194" sldId="284"/>
+            <ac:grpSpMk id="3" creationId="{EE709B7B-2918-0B32-3BC6-3FEBB3C684A4}"/>
+          </ac:grpSpMkLst>
+        </pc:grpChg>
+        <pc:picChg chg="mod">
+          <ac:chgData name="SHHD 山本覚" userId="57e3f178-c88d-44ee-9b09-55235ac55cf9" providerId="ADAL" clId="{CB6F8B9C-718A-41B3-AC1C-9D8D0D7C77D8}" dt="2023-11-01T05:50:23.106" v="444" actId="164"/>
+          <ac:picMkLst>
+            <pc:docMk/>
+            <pc:sldMk cId="2637753194" sldId="284"/>
+            <ac:picMk id="4" creationId="{92C96473-9BCD-41C8-6A28-C2E7B2709F4E}"/>
+          </ac:picMkLst>
+        </pc:picChg>
       </pc:sldChg>
       <pc:sldChg chg="modSp mod modShow">
         <pc:chgData name="SHHD 山本覚" userId="57e3f178-c88d-44ee-9b09-55235ac55cf9" providerId="ADAL" clId="{CB6F8B9C-718A-41B3-AC1C-9D8D0D7C77D8}" dt="2023-11-01T04:31:13.709" v="227" actId="729"/>
@@ -5233,6 +5454,21 @@
             <pc:docMk/>
             <pc:sldMk cId="132740242" sldId="290"/>
             <ac:spMk id="2" creationId="{679B1F19-EA37-6319-E74D-3884CF7D7061}"/>
+          </ac:spMkLst>
+        </pc:spChg>
+      </pc:sldChg>
+      <pc:sldChg chg="modSp mod">
+        <pc:chgData name="SHHD 山本覚" userId="57e3f178-c88d-44ee-9b09-55235ac55cf9" providerId="ADAL" clId="{CB6F8B9C-718A-41B3-AC1C-9D8D0D7C77D8}" dt="2023-11-01T05:40:07.385" v="370" actId="20577"/>
+        <pc:sldMkLst>
+          <pc:docMk/>
+          <pc:sldMk cId="2144669938" sldId="291"/>
+        </pc:sldMkLst>
+        <pc:spChg chg="mod">
+          <ac:chgData name="SHHD 山本覚" userId="57e3f178-c88d-44ee-9b09-55235ac55cf9" providerId="ADAL" clId="{CB6F8B9C-718A-41B3-AC1C-9D8D0D7C77D8}" dt="2023-11-01T05:40:07.385" v="370" actId="20577"/>
+          <ac:spMkLst>
+            <pc:docMk/>
+            <pc:sldMk cId="2144669938" sldId="291"/>
+            <ac:spMk id="4" creationId="{81E22F13-F9BA-6547-7B98-D5E042138C96}"/>
           </ac:spMkLst>
         </pc:spChg>
       </pc:sldChg>
@@ -15585,10 +15821,10 @@
         </p:nvGrpSpPr>
         <p:grpSpPr>
           <a:xfrm>
-            <a:off x="7477410" y="1312647"/>
-            <a:ext cx="4414123" cy="5327617"/>
-            <a:chOff x="7259695" y="1322322"/>
-            <a:chExt cx="4414123" cy="5327617"/>
+            <a:off x="7477410" y="1452579"/>
+            <a:ext cx="4414123" cy="5187685"/>
+            <a:chOff x="7259695" y="1462254"/>
+            <a:chExt cx="4414123" cy="5187685"/>
           </a:xfrm>
         </p:grpSpPr>
         <p:pic>
@@ -15619,8 +15855,8 @@
           </p:blipFill>
           <p:spPr>
             <a:xfrm>
-              <a:off x="10144973" y="1777026"/>
-              <a:ext cx="1159328" cy="1159328"/>
+              <a:off x="10144973" y="1909660"/>
+              <a:ext cx="992615" cy="992615"/>
             </a:xfrm>
             <a:prstGeom prst="rect">
               <a:avLst/>
@@ -16778,7 +17014,7 @@
           </p:nvSpPr>
           <p:spPr>
             <a:xfrm>
-              <a:off x="10227846" y="1322322"/>
+              <a:off x="10085145" y="1462254"/>
               <a:ext cx="1112269" cy="503304"/>
             </a:xfrm>
             <a:prstGeom prst="rect">
@@ -17150,6 +17386,49 @@
             </a:p>
           </p:txBody>
         </p:sp>
+        <p:pic>
+          <p:nvPicPr>
+            <p:cNvPr id="3" name="図 2" descr="アイコン&#10;&#10;自動的に生成された説明">
+              <a:extLst>
+                <a:ext uri="{FF2B5EF4-FFF2-40B4-BE49-F238E27FC236}">
+                  <a16:creationId xmlns:a16="http://schemas.microsoft.com/office/drawing/2014/main" id="{E1790DE8-ED4F-8E73-64FB-F26A332F3CF0}"/>
+                </a:ext>
+              </a:extLst>
+            </p:cNvPr>
+            <p:cNvPicPr>
+              <a:picLocks noChangeAspect="1"/>
+            </p:cNvPicPr>
+            <p:nvPr/>
+          </p:nvPicPr>
+          <p:blipFill>
+            <a:blip r:embed="rId2">
+              <a:duotone>
+                <a:schemeClr val="accent2">
+                  <a:shade val="45000"/>
+                  <a:satMod val="135000"/>
+                </a:schemeClr>
+                <a:prstClr val="white"/>
+              </a:duotone>
+              <a:extLst>
+                <a:ext uri="{28A0092B-C50C-407E-A947-70E740481C1C}">
+                  <a14:useLocalDpi xmlns:a14="http://schemas.microsoft.com/office/drawing/2010/main" val="0"/>
+                </a:ext>
+              </a:extLst>
+            </a:blip>
+            <a:stretch>
+              <a:fillRect/>
+            </a:stretch>
+          </p:blipFill>
+          <p:spPr>
+            <a:xfrm>
+              <a:off x="8704221" y="3062317"/>
+              <a:ext cx="379013" cy="376358"/>
+            </a:xfrm>
+            <a:prstGeom prst="rect">
+              <a:avLst/>
+            </a:prstGeom>
+          </p:spPr>
+        </p:pic>
       </p:grpSp>
       <p:sp>
         <p:nvSpPr>
@@ -25085,88 +25364,109 @@
           </a:p>
         </p:txBody>
       </p:sp>
-      <p:pic>
-        <p:nvPicPr>
-          <p:cNvPr id="4" name="図 3">
+      <p:grpSp>
+        <p:nvGrpSpPr>
+          <p:cNvPr id="3" name="グループ化 2">
             <a:extLst>
               <a:ext uri="{FF2B5EF4-FFF2-40B4-BE49-F238E27FC236}">
-                <a16:creationId xmlns:a16="http://schemas.microsoft.com/office/drawing/2014/main" id="{92C96473-9BCD-41C8-6A28-C2E7B2709F4E}"/>
+                <a16:creationId xmlns:a16="http://schemas.microsoft.com/office/drawing/2014/main" id="{EE709B7B-2918-0B32-3BC6-3FEBB3C684A4}"/>
               </a:ext>
             </a:extLst>
           </p:cNvPr>
-          <p:cNvPicPr>
-            <a:picLocks noChangeAspect="1"/>
-          </p:cNvPicPr>
+          <p:cNvGrpSpPr/>
           <p:nvPr/>
-        </p:nvPicPr>
-        <p:blipFill>
-          <a:blip r:embed="rId2"/>
-          <a:stretch>
-            <a:fillRect/>
-          </a:stretch>
-        </p:blipFill>
-        <p:spPr>
+        </p:nvGrpSpPr>
+        <p:grpSpPr>
           <a:xfrm>
-            <a:off x="454398" y="2297848"/>
+            <a:off x="461325" y="2771377"/>
             <a:ext cx="11283203" cy="3756026"/>
+            <a:chOff x="454398" y="2297848"/>
+            <a:chExt cx="11283203" cy="3756026"/>
           </a:xfrm>
-          <a:prstGeom prst="rect">
-            <a:avLst/>
-          </a:prstGeom>
-        </p:spPr>
-      </p:pic>
-      <p:sp>
-        <p:nvSpPr>
-          <p:cNvPr id="5" name="正方形/長方形 4">
-            <a:extLst>
-              <a:ext uri="{FF2B5EF4-FFF2-40B4-BE49-F238E27FC236}">
-                <a16:creationId xmlns:a16="http://schemas.microsoft.com/office/drawing/2014/main" id="{11732FCA-1080-11DD-FDED-52C15E9A54A1}"/>
-              </a:ext>
-            </a:extLst>
-          </p:cNvPr>
-          <p:cNvSpPr/>
-          <p:nvPr/>
-        </p:nvSpPr>
-        <p:spPr>
-          <a:xfrm>
-            <a:off x="1768100" y="2763615"/>
-            <a:ext cx="569688" cy="566055"/>
-          </a:xfrm>
-          <a:prstGeom prst="rect">
-            <a:avLst/>
-          </a:prstGeom>
-          <a:noFill/>
-          <a:ln w="50800">
-            <a:solidFill>
-              <a:srgbClr val="FF0000"/>
-            </a:solidFill>
-          </a:ln>
-        </p:spPr>
-        <p:style>
-          <a:lnRef idx="2">
-            <a:schemeClr val="accent1">
-              <a:shade val="15000"/>
-            </a:schemeClr>
-          </a:lnRef>
-          <a:fillRef idx="1">
-            <a:schemeClr val="accent1"/>
-          </a:fillRef>
-          <a:effectRef idx="0">
-            <a:schemeClr val="accent1"/>
-          </a:effectRef>
-          <a:fontRef idx="minor">
-            <a:schemeClr val="lt1"/>
-          </a:fontRef>
-        </p:style>
-        <p:txBody>
-          <a:bodyPr rtlCol="0" anchor="ctr"/>
-          <a:lstStyle/>
-          <a:p>
-            <a:pPr algn="ctr"/>
-            <a:endParaRPr kumimoji="1" lang="ja-JP" altLang="en-US"/>
-          </a:p>
-        </p:txBody>
-      </p:sp>
+        </p:grpSpPr>
+        <p:pic>
+          <p:nvPicPr>
+            <p:cNvPr id="4" name="図 3">
+              <a:extLst>
+                <a:ext uri="{FF2B5EF4-FFF2-40B4-BE49-F238E27FC236}">
+                  <a16:creationId xmlns:a16="http://schemas.microsoft.com/office/drawing/2014/main" id="{92C96473-9BCD-41C8-6A28-C2E7B2709F4E}"/>
+                </a:ext>
+              </a:extLst>
+            </p:cNvPr>
+            <p:cNvPicPr>
+              <a:picLocks noChangeAspect="1"/>
+            </p:cNvPicPr>
+            <p:nvPr/>
+          </p:nvPicPr>
+          <p:blipFill>
+            <a:blip r:embed="rId2"/>
+            <a:stretch>
+              <a:fillRect/>
+            </a:stretch>
+          </p:blipFill>
+          <p:spPr>
+            <a:xfrm>
+              <a:off x="454398" y="2297848"/>
+              <a:ext cx="11283203" cy="3756026"/>
+            </a:xfrm>
+            <a:prstGeom prst="rect">
+              <a:avLst/>
+            </a:prstGeom>
+          </p:spPr>
+        </p:pic>
+        <p:sp>
+          <p:nvSpPr>
+            <p:cNvPr id="5" name="正方形/長方形 4">
+              <a:extLst>
+                <a:ext uri="{FF2B5EF4-FFF2-40B4-BE49-F238E27FC236}">
+                  <a16:creationId xmlns:a16="http://schemas.microsoft.com/office/drawing/2014/main" id="{11732FCA-1080-11DD-FDED-52C15E9A54A1}"/>
+                </a:ext>
+              </a:extLst>
+            </p:cNvPr>
+            <p:cNvSpPr/>
+            <p:nvPr/>
+          </p:nvSpPr>
+          <p:spPr>
+            <a:xfrm>
+              <a:off x="1768100" y="2763615"/>
+              <a:ext cx="569688" cy="566055"/>
+            </a:xfrm>
+            <a:prstGeom prst="rect">
+              <a:avLst/>
+            </a:prstGeom>
+            <a:noFill/>
+            <a:ln w="50800">
+              <a:solidFill>
+                <a:srgbClr val="FF0000"/>
+              </a:solidFill>
+            </a:ln>
+          </p:spPr>
+          <p:style>
+            <a:lnRef idx="2">
+              <a:schemeClr val="accent1">
+                <a:shade val="15000"/>
+              </a:schemeClr>
+            </a:lnRef>
+            <a:fillRef idx="1">
+              <a:schemeClr val="accent1"/>
+            </a:fillRef>
+            <a:effectRef idx="0">
+              <a:schemeClr val="accent1"/>
+            </a:effectRef>
+            <a:fontRef idx="minor">
+              <a:schemeClr val="lt1"/>
+            </a:fontRef>
+          </p:style>
+          <p:txBody>
+            <a:bodyPr rtlCol="0" anchor="ctr"/>
+            <a:lstStyle/>
+            <a:p>
+              <a:pPr algn="ctr"/>
+              <a:endParaRPr kumimoji="1" lang="ja-JP" altLang="en-US"/>
+            </a:p>
+          </p:txBody>
+        </p:sp>
+      </p:grpSp>
       <p:sp>
         <p:nvSpPr>
           <p:cNvPr id="6" name="コンテンツ プレースホルダー 2">
@@ -25185,8 +25485,8 @@
         </p:nvSpPr>
         <p:spPr>
           <a:xfrm>
-            <a:off x="2150789" y="1342740"/>
-            <a:ext cx="7890422" cy="654789"/>
+            <a:off x="2157715" y="1331854"/>
+            <a:ext cx="7890422" cy="1269831"/>
           </a:xfrm>
         </p:spPr>
         <p:txBody>
@@ -25205,6 +25505,13 @@
             <a:r>
               <a:rPr kumimoji="1" lang="ja-JP" altLang="en-US" sz="2400" dirty="0"/>
               <a:t>代表者を指名しますので、プッシュを行ってください</a:t>
+            </a:r>
+            <a:br>
+              <a:rPr kumimoji="1" lang="en-US" altLang="ja-JP" sz="2400" dirty="0"/>
+            </a:br>
+            <a:r>
+              <a:rPr kumimoji="1" lang="ja-JP" altLang="en-US" sz="2400" dirty="0"/>
+              <a:t>指名されていない方はプッシュを行わないで下さい</a:t>
             </a:r>
           </a:p>
         </p:txBody>
@@ -29424,8 +29731,8 @@
         </p:nvSpPr>
         <p:spPr>
           <a:xfrm>
-            <a:off x="2159424" y="1725843"/>
-            <a:ext cx="7873152" cy="4137074"/>
+            <a:off x="2159424" y="1578884"/>
+            <a:ext cx="7873152" cy="4914421"/>
           </a:xfrm>
         </p:spPr>
         <p:txBody>
@@ -29438,8 +29745,8 @@
               <a:lnSpc>
                 <a:spcPct val="150000"/>
               </a:lnSpc>
-              <a:buFont typeface="Wingdings" panose="05000000000000000000" pitchFamily="2" charset="2"/>
-              <a:buChar char="ü"/>
+              <a:buFont typeface="Arial" panose="020B0604020202020204" pitchFamily="34" charset="0"/>
+              <a:buChar char="•"/>
             </a:pPr>
             <a:r>
               <a:rPr kumimoji="1" lang="ja-JP" altLang="en-US" dirty="0"/>
@@ -29459,9 +29766,18 @@
               <a:rPr kumimoji="1" lang="ja-JP" altLang="en-US" dirty="0"/>
               <a:t>変更にコメントを残すことができる</a:t>
             </a:r>
+            <a:endParaRPr kumimoji="1" lang="en-US" altLang="ja-JP" dirty="0"/>
+          </a:p>
+          <a:p>
+            <a:pPr marL="914400" lvl="2" indent="0">
+              <a:lnSpc>
+                <a:spcPct val="150000"/>
+              </a:lnSpc>
+              <a:buNone/>
+            </a:pPr>
             <a:r>
               <a:rPr lang="ja-JP" altLang="en-US" dirty="0"/>
-              <a:t> </a:t>
+              <a:t>後から見てもわかりやすいので引継ぎもスムーズになる </a:t>
             </a:r>
             <a:endParaRPr lang="en-US" altLang="ja-JP" dirty="0"/>
           </a:p>
@@ -29475,7 +29791,7 @@
             </a:pPr>
             <a:r>
               <a:rPr kumimoji="1" lang="ja-JP" altLang="en-US" dirty="0"/>
-              <a:t>チャート式の画面で変更が分かりやすい</a:t>
+              <a:t>チャート式の画面で変更履歴が分かりやすい</a:t>
             </a:r>
             <a:endParaRPr kumimoji="1" lang="en-US" altLang="ja-JP" dirty="0"/>
           </a:p>
@@ -29498,8 +29814,8 @@
               <a:lnSpc>
                 <a:spcPct val="150000"/>
               </a:lnSpc>
-              <a:buFont typeface="Wingdings" panose="05000000000000000000" pitchFamily="2" charset="2"/>
-              <a:buChar char="ü"/>
+              <a:buFont typeface="Arial" panose="020B0604020202020204" pitchFamily="34" charset="0"/>
+              <a:buChar char="•"/>
             </a:pPr>
             <a:r>
               <a:rPr kumimoji="1" lang="ja-JP" altLang="en-US" dirty="0"/>
@@ -29512,8 +29828,8 @@
               <a:lnSpc>
                 <a:spcPct val="150000"/>
               </a:lnSpc>
-              <a:buFont typeface="Wingdings" panose="05000000000000000000" pitchFamily="2" charset="2"/>
-              <a:buChar char="ü"/>
+              <a:buFont typeface="Arial" panose="020B0604020202020204" pitchFamily="34" charset="0"/>
+              <a:buChar char="•"/>
             </a:pPr>
             <a:r>
               <a:rPr kumimoji="1" lang="ja-JP" altLang="en-US" dirty="0"/>
@@ -29608,7 +29924,7 @@
         </p:nvSpPr>
         <p:spPr>
           <a:xfrm>
-            <a:off x="2306794" y="1308983"/>
+            <a:off x="1806052" y="1308983"/>
             <a:ext cx="7663450" cy="1642645"/>
           </a:xfrm>
         </p:spPr>
